--- a/doc/K220113_이티보드 MicroPython 소스 코딩 전략.pptx
+++ b/doc/K220113_이티보드 MicroPython 소스 코딩 전략.pptx
@@ -5759,15 +5759,7 @@
             </a:r>
             <a:r>
               <a:rPr lang="ko-KR" altLang="en-US" smtClean="0"/>
-              <a:t>소스 </a:t>
-            </a:r>
-            <a:r>
-              <a:rPr lang="ko-KR" altLang="en-US" smtClean="0"/>
-              <a:t>코딩</a:t>
-            </a:r>
-            <a:r>
-              <a:rPr lang="ko-KR" altLang="en-US" smtClean="0"/>
-              <a:t> </a:t>
+              <a:t>소스 코딩 </a:t>
             </a:r>
             <a:r>
               <a:rPr lang="ko-KR" altLang="en-US" dirty="0" smtClean="0"/>
@@ -5993,12 +5985,8 @@
               </a:lnSpc>
             </a:pPr>
             <a:r>
-              <a:rPr lang="ko-KR" altLang="en-US" sz="2000" dirty="0" err="1" smtClean="0"/>
-              <a:t>아두이노와</a:t>
-            </a:r>
-            <a:r>
-              <a:rPr lang="ko-KR" altLang="en-US" sz="2000" dirty="0" smtClean="0"/>
-              <a:t> 유사하게 소스를 코딩함</a:t>
+              <a:rPr lang="ko-KR" altLang="en-US" sz="2000" smtClean="0"/>
+              <a:t>전 세계 최초로 적용된 개념임</a:t>
             </a:r>
             <a:endParaRPr lang="en-US" altLang="ko-KR" sz="2000" dirty="0" smtClean="0"/>
           </a:p>
@@ -6010,6 +5998,26 @@
             </a:pPr>
             <a:r>
               <a:rPr lang="ko-KR" altLang="en-US" sz="2000" dirty="0" err="1" smtClean="0"/>
+              <a:t>아두이노와</a:t>
+            </a:r>
+            <a:r>
+              <a:rPr lang="ko-KR" altLang="en-US" sz="2000" dirty="0" smtClean="0"/>
+              <a:t> </a:t>
+            </a:r>
+            <a:r>
+              <a:rPr lang="ko-KR" altLang="en-US" sz="2000" dirty="0" smtClean="0"/>
+              <a:t>유사하게 소스를 코딩함</a:t>
+            </a:r>
+            <a:endParaRPr lang="en-US" altLang="ko-KR" sz="2000" dirty="0" smtClean="0"/>
+          </a:p>
+          <a:p>
+            <a:pPr>
+              <a:lnSpc>
+                <a:spcPct val="150000"/>
+              </a:lnSpc>
+            </a:pPr>
+            <a:r>
+              <a:rPr lang="ko-KR" altLang="en-US" sz="2000" dirty="0" err="1" smtClean="0"/>
               <a:t>아두이노를</a:t>
             </a:r>
             <a:r>
@@ -6101,12 +6109,8 @@
               <a:t>피지컬컴퓨팅에</a:t>
             </a:r>
             <a:r>
-              <a:rPr lang="ko-KR" altLang="en-US" sz="2000" smtClean="0"/>
-              <a:t> 최적화되어 있어 이와 유사한 </a:t>
-            </a:r>
-            <a:r>
               <a:rPr lang="ko-KR" altLang="en-US" sz="2000" dirty="0" smtClean="0"/>
-              <a:t>구조로 설계함</a:t>
+              <a:t> 최적화되어 있어 이와 유사한 구조로 설계함</a:t>
             </a:r>
             <a:endParaRPr lang="en-US" altLang="ko-KR" sz="2000" dirty="0" smtClean="0"/>
           </a:p>
